--- a/Parte 2.pptx
+++ b/Parte 2.pptx
@@ -9,6 +9,8 @@
     <p:sldId id="258" r:id="rId3"/>
     <p:sldId id="259" r:id="rId4"/>
     <p:sldId id="260" r:id="rId5"/>
+    <p:sldId id="261" r:id="rId6"/>
+    <p:sldId id="262" r:id="rId7"/>
   </p:sldIdLst>
   <p:sldSz cx="12192000" cy="6858000"/>
   <p:notesSz cx="6858000" cy="9144000"/>
@@ -107,6 +109,11 @@
       </a:defRPr>
     </a:lvl9pPr>
   </p:defaultTextStyle>
+  <p:extLst>
+    <p:ext uri="{EFAFB233-063F-42B5-8137-9DF3F51BA10A}">
+      <p15:sldGuideLst xmlns:p15="http://schemas.microsoft.com/office/powerpoint/2012/main"/>
+    </p:ext>
+  </p:extLst>
 </p:presentation>
 </file>
 
@@ -16364,6 +16371,616 @@
 </p:sld>
 </file>
 
+<file path=ppt/slides/slide5.xml><?xml version="1.0" encoding="utf-8"?>
+<p:sld xmlns:a="http://schemas.openxmlformats.org/drawingml/2006/main" xmlns:r="http://schemas.openxmlformats.org/officeDocument/2006/relationships" xmlns:p="http://schemas.openxmlformats.org/presentationml/2006/main">
+  <p:cSld>
+    <p:spTree>
+      <p:nvGrpSpPr>
+        <p:cNvPr id="1" name="">
+          <a:extLst>
+            <a:ext uri="{FF2B5EF4-FFF2-40B4-BE49-F238E27FC236}">
+              <a16:creationId xmlns:a16="http://schemas.microsoft.com/office/drawing/2014/main" id="{09202D29-D564-6BE5-96B2-BD011BF7FC6C}"/>
+            </a:ext>
+          </a:extLst>
+        </p:cNvPr>
+        <p:cNvGrpSpPr/>
+        <p:nvPr/>
+      </p:nvGrpSpPr>
+      <p:grpSpPr>
+        <a:xfrm>
+          <a:off x="0" y="0"/>
+          <a:ext cx="0" cy="0"/>
+          <a:chOff x="0" y="0"/>
+          <a:chExt cx="0" cy="0"/>
+        </a:xfrm>
+      </p:grpSpPr>
+      <p:sp>
+        <p:nvSpPr>
+          <p:cNvPr id="2" name="Title 1">
+            <a:extLst>
+              <a:ext uri="{FF2B5EF4-FFF2-40B4-BE49-F238E27FC236}">
+                <a16:creationId xmlns:a16="http://schemas.microsoft.com/office/drawing/2014/main" id="{443D45D9-54D4-FB5A-85E8-DAF435011080}"/>
+              </a:ext>
+            </a:extLst>
+          </p:cNvPr>
+          <p:cNvSpPr>
+            <a:spLocks noGrp="1"/>
+          </p:cNvSpPr>
+          <p:nvPr>
+            <p:ph type="title"/>
+          </p:nvPr>
+        </p:nvSpPr>
+        <p:spPr/>
+        <p:txBody>
+          <a:bodyPr/>
+          <a:lstStyle/>
+          <a:p>
+            <a:r>
+              <a:rPr lang="en-MX" dirty="0"/>
+              <a:t>Información de Rutas</a:t>
+            </a:r>
+          </a:p>
+        </p:txBody>
+      </p:sp>
+      <p:sp>
+        <p:nvSpPr>
+          <p:cNvPr id="3" name="Text Placeholder 2">
+            <a:extLst>
+              <a:ext uri="{FF2B5EF4-FFF2-40B4-BE49-F238E27FC236}">
+                <a16:creationId xmlns:a16="http://schemas.microsoft.com/office/drawing/2014/main" id="{27C5B30C-9CAC-114E-DE33-853F7B78218B}"/>
+              </a:ext>
+            </a:extLst>
+          </p:cNvPr>
+          <p:cNvSpPr>
+            <a:spLocks noGrp="1"/>
+          </p:cNvSpPr>
+          <p:nvPr>
+            <p:ph type="body" idx="1"/>
+          </p:nvPr>
+        </p:nvSpPr>
+        <p:spPr/>
+        <p:txBody>
+          <a:bodyPr/>
+          <a:lstStyle/>
+          <a:p>
+            <a:r>
+              <a:rPr lang="en-MX" dirty="0"/>
+              <a:t>Driving Distance, Tiempo Estimado</a:t>
+            </a:r>
+          </a:p>
+        </p:txBody>
+      </p:sp>
+    </p:spTree>
+    <p:extLst>
+      <p:ext uri="{BB962C8B-B14F-4D97-AF65-F5344CB8AC3E}">
+        <p14:creationId xmlns:p14="http://schemas.microsoft.com/office/powerpoint/2010/main" val="1240985031"/>
+      </p:ext>
+    </p:extLst>
+  </p:cSld>
+  <p:clrMapOvr>
+    <a:masterClrMapping/>
+  </p:clrMapOvr>
+</p:sld>
+</file>
+
+<file path=ppt/slides/slide6.xml><?xml version="1.0" encoding="utf-8"?>
+<p:sld xmlns:a="http://schemas.openxmlformats.org/drawingml/2006/main" xmlns:r="http://schemas.openxmlformats.org/officeDocument/2006/relationships" xmlns:p="http://schemas.openxmlformats.org/presentationml/2006/main">
+  <p:cSld>
+    <p:spTree>
+      <p:nvGrpSpPr>
+        <p:cNvPr id="1" name=""/>
+        <p:cNvGrpSpPr/>
+        <p:nvPr/>
+      </p:nvGrpSpPr>
+      <p:grpSpPr>
+        <a:xfrm>
+          <a:off x="0" y="0"/>
+          <a:ext cx="0" cy="0"/>
+          <a:chOff x="0" y="0"/>
+          <a:chExt cx="0" cy="0"/>
+        </a:xfrm>
+      </p:grpSpPr>
+      <p:sp>
+        <p:nvSpPr>
+          <p:cNvPr id="2" name="Title 1">
+            <a:extLst>
+              <a:ext uri="{FF2B5EF4-FFF2-40B4-BE49-F238E27FC236}">
+                <a16:creationId xmlns:a16="http://schemas.microsoft.com/office/drawing/2014/main" id="{73ADC094-CD1E-83D5-D7CC-D4D11411CEBD}"/>
+              </a:ext>
+            </a:extLst>
+          </p:cNvPr>
+          <p:cNvSpPr>
+            <a:spLocks noGrp="1"/>
+          </p:cNvSpPr>
+          <p:nvPr>
+            <p:ph type="title"/>
+          </p:nvPr>
+        </p:nvSpPr>
+        <p:spPr/>
+        <p:txBody>
+          <a:bodyPr/>
+          <a:lstStyle/>
+          <a:p>
+            <a:endParaRPr lang="en-MX"/>
+          </a:p>
+        </p:txBody>
+      </p:sp>
+      <p:graphicFrame>
+        <p:nvGraphicFramePr>
+          <p:cNvPr id="4" name="Content Placeholder 3">
+            <a:extLst>
+              <a:ext uri="{FF2B5EF4-FFF2-40B4-BE49-F238E27FC236}">
+                <a16:creationId xmlns:a16="http://schemas.microsoft.com/office/drawing/2014/main" id="{4B513255-1006-9D5C-EEDB-347422D040AF}"/>
+              </a:ext>
+            </a:extLst>
+          </p:cNvPr>
+          <p:cNvGraphicFramePr>
+            <a:graphicFrameLocks noGrp="1"/>
+          </p:cNvGraphicFramePr>
+          <p:nvPr>
+            <p:ph idx="1"/>
+            <p:extLst>
+              <p:ext uri="{D42A27DB-BD31-4B8C-83A1-F6EECF244321}">
+                <p14:modId xmlns:p14="http://schemas.microsoft.com/office/powerpoint/2010/main" val="1882204855"/>
+              </p:ext>
+            </p:extLst>
+          </p:nvPr>
+        </p:nvGraphicFramePr>
+        <p:xfrm>
+          <a:off x="5118099" y="803275"/>
+          <a:ext cx="5680669" cy="4038600"/>
+        </p:xfrm>
+        <a:graphic>
+          <a:graphicData uri="http://schemas.openxmlformats.org/drawingml/2006/table">
+            <a:tbl>
+              <a:tblPr firstRow="1" bandRow="1">
+                <a:tableStyleId>{5C22544A-7EE6-4342-B048-85BDC9FD1C3A}</a:tableStyleId>
+              </a:tblPr>
+              <a:tblGrid>
+                <a:gridCol w="1041718">
+                  <a:extLst>
+                    <a:ext uri="{9D8B030D-6E8A-4147-A177-3AD203B41FA5}">
+                      <a16:colId xmlns:a16="http://schemas.microsoft.com/office/drawing/2014/main" val="2914720064"/>
+                    </a:ext>
+                  </a:extLst>
+                </a:gridCol>
+                <a:gridCol w="1546317">
+                  <a:extLst>
+                    <a:ext uri="{9D8B030D-6E8A-4147-A177-3AD203B41FA5}">
+                      <a16:colId xmlns:a16="http://schemas.microsoft.com/office/drawing/2014/main" val="4258593525"/>
+                    </a:ext>
+                  </a:extLst>
+                </a:gridCol>
+                <a:gridCol w="1546317">
+                  <a:extLst>
+                    <a:ext uri="{9D8B030D-6E8A-4147-A177-3AD203B41FA5}">
+                      <a16:colId xmlns:a16="http://schemas.microsoft.com/office/drawing/2014/main" val="1932086831"/>
+                    </a:ext>
+                  </a:extLst>
+                </a:gridCol>
+                <a:gridCol w="1546317">
+                  <a:extLst>
+                    <a:ext uri="{9D8B030D-6E8A-4147-A177-3AD203B41FA5}">
+                      <a16:colId xmlns:a16="http://schemas.microsoft.com/office/drawing/2014/main" val="3788133011"/>
+                    </a:ext>
+                  </a:extLst>
+                </a:gridCol>
+              </a:tblGrid>
+              <a:tr h="370840">
+                <a:tc>
+                  <a:txBody>
+                    <a:bodyPr/>
+                    <a:lstStyle/>
+                    <a:p>
+                      <a:r>
+                        <a:rPr lang="en-MX" dirty="0"/>
+                        <a:t>IDRuta</a:t>
+                      </a:r>
+                    </a:p>
+                  </a:txBody>
+                  <a:tcPr/>
+                </a:tc>
+                <a:tc>
+                  <a:txBody>
+                    <a:bodyPr/>
+                    <a:lstStyle/>
+                    <a:p>
+                      <a:r>
+                        <a:rPr lang="en-MX" dirty="0"/>
+                        <a:t>Nombre</a:t>
+                      </a:r>
+                    </a:p>
+                  </a:txBody>
+                  <a:tcPr/>
+                </a:tc>
+                <a:tc>
+                  <a:txBody>
+                    <a:bodyPr/>
+                    <a:lstStyle/>
+                    <a:p>
+                      <a:r>
+                        <a:rPr lang="en-MX" dirty="0"/>
+                        <a:t>Distancia (km)</a:t>
+                      </a:r>
+                    </a:p>
+                  </a:txBody>
+                  <a:tcPr/>
+                </a:tc>
+                <a:tc>
+                  <a:txBody>
+                    <a:bodyPr/>
+                    <a:lstStyle/>
+                    <a:p>
+                      <a:r>
+                        <a:rPr lang="en-MX"/>
+                        <a:t>Duración estimada </a:t>
+                      </a:r>
+                      <a:r>
+                        <a:rPr lang="en-MX" dirty="0"/>
+                        <a:t>(minutos)</a:t>
+                      </a:r>
+                    </a:p>
+                  </a:txBody>
+                  <a:tcPr/>
+                </a:tc>
+                <a:extLst>
+                  <a:ext uri="{0D108BD9-81ED-4DB2-BD59-A6C34878D82A}">
+                    <a16:rowId xmlns:a16="http://schemas.microsoft.com/office/drawing/2014/main" val="3795219236"/>
+                  </a:ext>
+                </a:extLst>
+              </a:tr>
+              <a:tr h="370840">
+                <a:tc>
+                  <a:txBody>
+                    <a:bodyPr/>
+                    <a:lstStyle/>
+                    <a:p>
+                      <a:r>
+                        <a:rPr lang="en-US">
+                          <a:effectLst/>
+                        </a:rPr>
+                        <a:t>a1</a:t>
+                      </a:r>
+                    </a:p>
+                  </a:txBody>
+                  <a:tcPr marL="76200" marR="76200" marT="38100" marB="38100" anchor="ctr"/>
+                </a:tc>
+                <a:tc>
+                  <a:txBody>
+                    <a:bodyPr/>
+                    <a:lstStyle/>
+                    <a:p>
+                      <a:r>
+                        <a:rPr lang="en-US">
+                          <a:effectLst/>
+                        </a:rPr>
+                        <a:t>Relleno de Inventario</a:t>
+                      </a:r>
+                    </a:p>
+                  </a:txBody>
+                  <a:tcPr marL="76200" marR="76200" marT="38100" marB="38100" anchor="ctr"/>
+                </a:tc>
+                <a:tc>
+                  <a:txBody>
+                    <a:bodyPr/>
+                    <a:lstStyle/>
+                    <a:p>
+                      <a:r>
+                        <a:rPr lang="en-MX" dirty="0">
+                          <a:effectLst/>
+                        </a:rPr>
+                        <a:t>20.5</a:t>
+                      </a:r>
+                    </a:p>
+                  </a:txBody>
+                  <a:tcPr marL="76200" marR="76200" marT="38100" marB="38100" anchor="ctr"/>
+                </a:tc>
+                <a:tc>
+                  <a:txBody>
+                    <a:bodyPr/>
+                    <a:lstStyle/>
+                    <a:p>
+                      <a:r>
+                        <a:rPr lang="en-MX" dirty="0">
+                          <a:effectLst/>
+                        </a:rPr>
+                        <a:t>17.6</a:t>
+                      </a:r>
+                    </a:p>
+                  </a:txBody>
+                  <a:tcPr marL="76200" marR="76200" marT="38100" marB="38100" anchor="ctr"/>
+                </a:tc>
+                <a:extLst>
+                  <a:ext uri="{0D108BD9-81ED-4DB2-BD59-A6C34878D82A}">
+                    <a16:rowId xmlns:a16="http://schemas.microsoft.com/office/drawing/2014/main" val="286660739"/>
+                  </a:ext>
+                </a:extLst>
+              </a:tr>
+              <a:tr h="370840">
+                <a:tc>
+                  <a:txBody>
+                    <a:bodyPr/>
+                    <a:lstStyle/>
+                    <a:p>
+                      <a:r>
+                        <a:rPr lang="en-US">
+                          <a:effectLst/>
+                        </a:rPr>
+                        <a:t>b2</a:t>
+                      </a:r>
+                    </a:p>
+                  </a:txBody>
+                  <a:tcPr marL="76200" marR="76200" marT="38100" marB="38100" anchor="ctr"/>
+                </a:tc>
+                <a:tc>
+                  <a:txBody>
+                    <a:bodyPr/>
+                    <a:lstStyle/>
+                    <a:p>
+                      <a:r>
+                        <a:rPr lang="en-US">
+                          <a:effectLst/>
+                        </a:rPr>
+                        <a:t>Traslado de efectivo</a:t>
+                      </a:r>
+                    </a:p>
+                  </a:txBody>
+                  <a:tcPr marL="76200" marR="76200" marT="38100" marB="38100" anchor="ctr"/>
+                </a:tc>
+                <a:tc>
+                  <a:txBody>
+                    <a:bodyPr/>
+                    <a:lstStyle/>
+                    <a:p>
+                      <a:r>
+                        <a:rPr lang="en-MX" dirty="0">
+                          <a:effectLst/>
+                        </a:rPr>
+                        <a:t>13.7</a:t>
+                      </a:r>
+                    </a:p>
+                  </a:txBody>
+                  <a:tcPr marL="76200" marR="76200" marT="38100" marB="38100" anchor="ctr"/>
+                </a:tc>
+                <a:tc>
+                  <a:txBody>
+                    <a:bodyPr/>
+                    <a:lstStyle/>
+                    <a:p>
+                      <a:r>
+                        <a:rPr lang="en-MX" dirty="0">
+                          <a:effectLst/>
+                        </a:rPr>
+                        <a:t>17.5</a:t>
+                      </a:r>
+                    </a:p>
+                  </a:txBody>
+                  <a:tcPr marL="76200" marR="76200" marT="38100" marB="38100" anchor="ctr"/>
+                </a:tc>
+                <a:extLst>
+                  <a:ext uri="{0D108BD9-81ED-4DB2-BD59-A6C34878D82A}">
+                    <a16:rowId xmlns:a16="http://schemas.microsoft.com/office/drawing/2014/main" val="4110620313"/>
+                  </a:ext>
+                </a:extLst>
+              </a:tr>
+              <a:tr h="370840">
+                <a:tc>
+                  <a:txBody>
+                    <a:bodyPr/>
+                    <a:lstStyle/>
+                    <a:p>
+                      <a:r>
+                        <a:rPr lang="en-US">
+                          <a:effectLst/>
+                        </a:rPr>
+                        <a:t>c3</a:t>
+                      </a:r>
+                    </a:p>
+                  </a:txBody>
+                  <a:tcPr marL="76200" marR="76200" marT="38100" marB="38100" anchor="ctr"/>
+                </a:tc>
+                <a:tc>
+                  <a:txBody>
+                    <a:bodyPr/>
+                    <a:lstStyle/>
+                    <a:p>
+                      <a:r>
+                        <a:rPr lang="en-US">
+                          <a:effectLst/>
+                        </a:rPr>
+                        <a:t>Relleno de Inventario</a:t>
+                      </a:r>
+                    </a:p>
+                  </a:txBody>
+                  <a:tcPr marL="76200" marR="76200" marT="38100" marB="38100" anchor="ctr"/>
+                </a:tc>
+                <a:tc>
+                  <a:txBody>
+                    <a:bodyPr/>
+                    <a:lstStyle/>
+                    <a:p>
+                      <a:r>
+                        <a:rPr lang="en-MX" dirty="0">
+                          <a:effectLst/>
+                        </a:rPr>
+                        <a:t>23</a:t>
+                      </a:r>
+                    </a:p>
+                  </a:txBody>
+                  <a:tcPr marL="76200" marR="76200" marT="38100" marB="38100" anchor="ctr"/>
+                </a:tc>
+                <a:tc>
+                  <a:txBody>
+                    <a:bodyPr/>
+                    <a:lstStyle/>
+                    <a:p>
+                      <a:r>
+                        <a:rPr lang="en-MX" dirty="0">
+                          <a:effectLst/>
+                        </a:rPr>
+                        <a:t>26.2</a:t>
+                      </a:r>
+                    </a:p>
+                  </a:txBody>
+                  <a:tcPr marL="76200" marR="76200" marT="38100" marB="38100" anchor="ctr"/>
+                </a:tc>
+                <a:extLst>
+                  <a:ext uri="{0D108BD9-81ED-4DB2-BD59-A6C34878D82A}">
+                    <a16:rowId xmlns:a16="http://schemas.microsoft.com/office/drawing/2014/main" val="3782218426"/>
+                  </a:ext>
+                </a:extLst>
+              </a:tr>
+              <a:tr h="370840">
+                <a:tc>
+                  <a:txBody>
+                    <a:bodyPr/>
+                    <a:lstStyle/>
+                    <a:p>
+                      <a:r>
+                        <a:rPr lang="en-US">
+                          <a:effectLst/>
+                        </a:rPr>
+                        <a:t>d4</a:t>
+                      </a:r>
+                    </a:p>
+                  </a:txBody>
+                  <a:tcPr marL="76200" marR="76200" marT="38100" marB="38100" anchor="ctr"/>
+                </a:tc>
+                <a:tc>
+                  <a:txBody>
+                    <a:bodyPr/>
+                    <a:lstStyle/>
+                    <a:p>
+                      <a:r>
+                        <a:rPr lang="en-US">
+                          <a:effectLst/>
+                        </a:rPr>
+                        <a:t>Relleno de Inventario</a:t>
+                      </a:r>
+                    </a:p>
+                  </a:txBody>
+                  <a:tcPr marL="76200" marR="76200" marT="38100" marB="38100" anchor="ctr"/>
+                </a:tc>
+                <a:tc>
+                  <a:txBody>
+                    <a:bodyPr/>
+                    <a:lstStyle/>
+                    <a:p>
+                      <a:r>
+                        <a:rPr lang="en-MX" dirty="0">
+                          <a:effectLst/>
+                        </a:rPr>
+                        <a:t>25.1</a:t>
+                      </a:r>
+                    </a:p>
+                  </a:txBody>
+                  <a:tcPr marL="76200" marR="76200" marT="38100" marB="38100" anchor="ctr"/>
+                </a:tc>
+                <a:tc>
+                  <a:txBody>
+                    <a:bodyPr/>
+                    <a:lstStyle/>
+                    <a:p>
+                      <a:r>
+                        <a:rPr lang="en-MX" dirty="0">
+                          <a:effectLst/>
+                        </a:rPr>
+                        <a:t>26.6</a:t>
+                      </a:r>
+                    </a:p>
+                  </a:txBody>
+                  <a:tcPr marL="76200" marR="76200" marT="38100" marB="38100" anchor="ctr"/>
+                </a:tc>
+                <a:extLst>
+                  <a:ext uri="{0D108BD9-81ED-4DB2-BD59-A6C34878D82A}">
+                    <a16:rowId xmlns:a16="http://schemas.microsoft.com/office/drawing/2014/main" val="1083570072"/>
+                  </a:ext>
+                </a:extLst>
+              </a:tr>
+              <a:tr h="370840">
+                <a:tc>
+                  <a:txBody>
+                    <a:bodyPr/>
+                    <a:lstStyle/>
+                    <a:p>
+                      <a:r>
+                        <a:rPr lang="en-US" dirty="0">
+                          <a:effectLst/>
+                        </a:rPr>
+                        <a:t>e5</a:t>
+                      </a:r>
+                    </a:p>
+                  </a:txBody>
+                  <a:tcPr marL="76200" marR="76200" marT="38100" marB="38100" anchor="ctr"/>
+                </a:tc>
+                <a:tc>
+                  <a:txBody>
+                    <a:bodyPr/>
+                    <a:lstStyle/>
+                    <a:p>
+                      <a:r>
+                        <a:rPr lang="en-US">
+                          <a:effectLst/>
+                        </a:rPr>
+                        <a:t>Traslado de efectivo</a:t>
+                      </a:r>
+                    </a:p>
+                  </a:txBody>
+                  <a:tcPr marL="76200" marR="76200" marT="38100" marB="38100" anchor="ctr"/>
+                </a:tc>
+                <a:tc>
+                  <a:txBody>
+                    <a:bodyPr/>
+                    <a:lstStyle/>
+                    <a:p>
+                      <a:r>
+                        <a:rPr lang="en-MX" dirty="0">
+                          <a:effectLst/>
+                        </a:rPr>
+                        <a:t>14.1</a:t>
+                      </a:r>
+                    </a:p>
+                  </a:txBody>
+                  <a:tcPr marL="76200" marR="76200" marT="38100" marB="38100" anchor="ctr"/>
+                </a:tc>
+                <a:tc>
+                  <a:txBody>
+                    <a:bodyPr/>
+                    <a:lstStyle/>
+                    <a:p>
+                      <a:r>
+                        <a:rPr lang="en-MX" dirty="0">
+                          <a:effectLst/>
+                        </a:rPr>
+                        <a:t>15.5</a:t>
+                      </a:r>
+                    </a:p>
+                  </a:txBody>
+                  <a:tcPr marL="76200" marR="76200" marT="38100" marB="38100" anchor="ctr"/>
+                </a:tc>
+                <a:extLst>
+                  <a:ext uri="{0D108BD9-81ED-4DB2-BD59-A6C34878D82A}">
+                    <a16:rowId xmlns:a16="http://schemas.microsoft.com/office/drawing/2014/main" val="3695168521"/>
+                  </a:ext>
+                </a:extLst>
+              </a:tr>
+            </a:tbl>
+          </a:graphicData>
+        </a:graphic>
+      </p:graphicFrame>
+    </p:spTree>
+    <p:extLst>
+      <p:ext uri="{BB962C8B-B14F-4D97-AF65-F5344CB8AC3E}">
+        <p14:creationId xmlns:p14="http://schemas.microsoft.com/office/powerpoint/2010/main" val="3616640898"/>
+      </p:ext>
+    </p:extLst>
+  </p:cSld>
+  <p:clrMapOvr>
+    <a:masterClrMapping/>
+  </p:clrMapOvr>
+</p:sld>
+</file>
+
 <file path=ppt/theme/theme1.xml><?xml version="1.0" encoding="utf-8"?>
 <a:theme xmlns:a="http://schemas.openxmlformats.org/drawingml/2006/main" name="Atlas">
   <a:themeElements>
